--- a/TermProject/Term Project Veera Reddy Koppula.pptx
+++ b/TermProject/Term Project Veera Reddy Koppula.pptx
@@ -4325,7 +4325,7 @@
           <a:graphicData uri="http://schemas.openxmlformats.org/presentationml/2006/ole">
             <mc:AlternateContent xmlns:mc="http://schemas.openxmlformats.org/markup-compatibility/2006">
               <mc:Choice xmlns:v="urn:schemas-microsoft-com:vml" Requires="v">
-                <p:oleObj spid="_x0000_s2050" name="Worksheet" showAsIcon="1" r:id="rId3" imgW="965200" imgH="609600" progId="Excel.Sheet.12">
+                <p:oleObj spid="_x0000_s2052" name="Worksheet" showAsIcon="1" r:id="rId3" imgW="965200" imgH="609600" progId="Excel.Sheet.12">
                   <p:embed/>
                 </p:oleObj>
               </mc:Choice>
@@ -4405,7 +4405,7 @@
         <p:spPr>
           <a:xfrm>
             <a:off x="620972" y="300251"/>
-            <a:ext cx="9103057" cy="6412076"/>
+            <a:ext cx="9103057" cy="6186309"/>
           </a:xfrm>
           <a:prstGeom prst="rect">
             <a:avLst/>
@@ -4417,396 +4417,132 @@
           </a:bodyPr>
           <a:lstStyle/>
           <a:p>
-            <a:pPr fontAlgn="base">
-              <a:lnSpc>
-                <a:spcPct val="107000"/>
-              </a:lnSpc>
-              <a:spcBef>
-                <a:spcPts val="300"/>
-              </a:spcBef>
-              <a:spcAft>
-                <a:spcPts val="1200"/>
-              </a:spcAft>
-            </a:pPr>
-            <a:r>
-              <a:rPr lang="en-US" sz="1600" i="1" dirty="0">
-                <a:solidFill>
-                  <a:srgbClr val="000000"/>
-                </a:solidFill>
-                <a:latin typeface="Calibri" panose="020F0502020204030204" pitchFamily="34" charset="0"/>
-                <a:ea typeface="Calibri" panose="020F0502020204030204" pitchFamily="34" charset="0"/>
-                <a:cs typeface="Times New Roman" panose="02020603050405020304" pitchFamily="18" charset="0"/>
-              </a:rPr>
+            <a:pPr fontAlgn="base"/>
+            <a:r>
+              <a:rPr lang="en-US" i="1" dirty="0"/>
               <a:t>Statistical/Hypothetical question</a:t>
             </a:r>
             <a:r>
-              <a:rPr lang="en-US" sz="1600" dirty="0">
-                <a:solidFill>
-                  <a:srgbClr val="000000"/>
-                </a:solidFill>
-                <a:latin typeface="Calibri" panose="020F0502020204030204" pitchFamily="34" charset="0"/>
-                <a:ea typeface="Calibri" panose="020F0502020204030204" pitchFamily="34" charset="0"/>
-                <a:cs typeface="Times New Roman" panose="02020603050405020304" pitchFamily="18" charset="0"/>
-              </a:rPr>
+              <a:rPr lang="en-US" dirty="0"/>
               <a:t>:- </a:t>
             </a:r>
-            <a:endParaRPr lang="en-US" sz="1600" dirty="0">
-              <a:latin typeface="Calibri" panose="020F0502020204030204" pitchFamily="34" charset="0"/>
-              <a:ea typeface="Calibri" panose="020F0502020204030204" pitchFamily="34" charset="0"/>
-              <a:cs typeface="Times New Roman" panose="02020603050405020304" pitchFamily="18" charset="0"/>
-            </a:endParaRPr>
-          </a:p>
-          <a:p>
-            <a:pPr fontAlgn="base">
-              <a:lnSpc>
-                <a:spcPct val="107000"/>
-              </a:lnSpc>
-              <a:spcBef>
-                <a:spcPts val="300"/>
-              </a:spcBef>
-              <a:spcAft>
-                <a:spcPts val="1200"/>
-              </a:spcAft>
-            </a:pPr>
-            <a:r>
-              <a:rPr lang="en-US" sz="1600" b="1" dirty="0">
-                <a:solidFill>
-                  <a:srgbClr val="000000"/>
-                </a:solidFill>
-                <a:latin typeface="Calibri" panose="020F0502020204030204" pitchFamily="34" charset="0"/>
-                <a:ea typeface="Calibri" panose="020F0502020204030204" pitchFamily="34" charset="0"/>
-                <a:cs typeface="Times New Roman" panose="02020603050405020304" pitchFamily="18" charset="0"/>
-              </a:rPr>
-              <a:t>The higher the price of the car the higher the deprecation.</a:t>
-            </a:r>
-            <a:endParaRPr lang="en-US" sz="1600" dirty="0">
-              <a:latin typeface="Calibri" panose="020F0502020204030204" pitchFamily="34" charset="0"/>
-              <a:ea typeface="Calibri" panose="020F0502020204030204" pitchFamily="34" charset="0"/>
-              <a:cs typeface="Times New Roman" panose="02020603050405020304" pitchFamily="18" charset="0"/>
-            </a:endParaRPr>
-          </a:p>
-          <a:p>
-            <a:pPr fontAlgn="base">
-              <a:lnSpc>
-                <a:spcPct val="107000"/>
-              </a:lnSpc>
-              <a:spcBef>
-                <a:spcPts val="300"/>
-              </a:spcBef>
-              <a:spcAft>
-                <a:spcPts val="1200"/>
-              </a:spcAft>
-            </a:pPr>
-            <a:r>
-              <a:rPr lang="en-US" sz="1600" i="1" dirty="0">
-                <a:solidFill>
-                  <a:srgbClr val="000000"/>
-                </a:solidFill>
-                <a:latin typeface="Calibri" panose="020F0502020204030204" pitchFamily="34" charset="0"/>
-                <a:ea typeface="Calibri" panose="020F0502020204030204" pitchFamily="34" charset="0"/>
-                <a:cs typeface="Times New Roman" panose="02020603050405020304" pitchFamily="18" charset="0"/>
-              </a:rPr>
+          </a:p>
+          <a:p>
+            <a:pPr fontAlgn="base"/>
+            <a:r>
+              <a:rPr lang="en-US" b="1" dirty="0"/>
+              <a:t>If higher the price of the car does is it result in higher deprecation.</a:t>
+            </a:r>
+          </a:p>
+          <a:p>
+            <a:pPr fontAlgn="base"/>
+            <a:endParaRPr lang="en-US" dirty="0"/>
+          </a:p>
+          <a:p>
+            <a:pPr fontAlgn="base"/>
+            <a:r>
+              <a:rPr lang="en-US" i="1" dirty="0"/>
               <a:t>Outcome of EDA</a:t>
             </a:r>
             <a:r>
-              <a:rPr lang="en-US" sz="1600" dirty="0">
-                <a:solidFill>
-                  <a:srgbClr val="000000"/>
-                </a:solidFill>
-                <a:latin typeface="Calibri" panose="020F0502020204030204" pitchFamily="34" charset="0"/>
-                <a:ea typeface="Calibri" panose="020F0502020204030204" pitchFamily="34" charset="0"/>
-                <a:cs typeface="Times New Roman" panose="02020603050405020304" pitchFamily="18" charset="0"/>
-              </a:rPr>
+              <a:rPr lang="en-US" dirty="0"/>
               <a:t>:</a:t>
             </a:r>
-            <a:endParaRPr lang="en-US" sz="1600" dirty="0">
-              <a:latin typeface="Calibri" panose="020F0502020204030204" pitchFamily="34" charset="0"/>
-              <a:ea typeface="Calibri" panose="020F0502020204030204" pitchFamily="34" charset="0"/>
-              <a:cs typeface="Times New Roman" panose="02020603050405020304" pitchFamily="18" charset="0"/>
-            </a:endParaRPr>
-          </a:p>
-          <a:p>
-            <a:pPr fontAlgn="base">
-              <a:lnSpc>
-                <a:spcPct val="107000"/>
-              </a:lnSpc>
-              <a:spcBef>
-                <a:spcPts val="300"/>
-              </a:spcBef>
-              <a:spcAft>
-                <a:spcPts val="1200"/>
-              </a:spcAft>
-            </a:pPr>
-            <a:r>
-              <a:rPr lang="en-US" sz="1600" b="1" dirty="0">
-                <a:solidFill>
-                  <a:srgbClr val="000000"/>
-                </a:solidFill>
-                <a:latin typeface="Calibri" panose="020F0502020204030204" pitchFamily="34" charset="0"/>
-                <a:ea typeface="Calibri" panose="020F0502020204030204" pitchFamily="34" charset="0"/>
-                <a:cs typeface="Times New Roman" panose="02020603050405020304" pitchFamily="18" charset="0"/>
-              </a:rPr>
-              <a:t> Up on close inspection, Mercedes- Benz make which is higher in price, in fact shown lower depreciation compared to other high-priced luxury cars like BMW , Jaguar and Porsche.</a:t>
-            </a:r>
-            <a:endParaRPr lang="en-US" sz="1600" dirty="0">
-              <a:latin typeface="Calibri" panose="020F0502020204030204" pitchFamily="34" charset="0"/>
-              <a:ea typeface="Calibri" panose="020F0502020204030204" pitchFamily="34" charset="0"/>
-              <a:cs typeface="Times New Roman" panose="02020603050405020304" pitchFamily="18" charset="0"/>
-            </a:endParaRPr>
-          </a:p>
-          <a:p>
-            <a:pPr fontAlgn="base">
-              <a:lnSpc>
-                <a:spcPct val="107000"/>
-              </a:lnSpc>
-              <a:spcBef>
-                <a:spcPts val="300"/>
-              </a:spcBef>
-              <a:spcAft>
-                <a:spcPts val="1200"/>
-              </a:spcAft>
-            </a:pPr>
-            <a:r>
-              <a:rPr lang="en-US" sz="1600" i="1" dirty="0">
-                <a:solidFill>
-                  <a:srgbClr val="000000"/>
-                </a:solidFill>
-                <a:latin typeface="Calibri" panose="020F0502020204030204" pitchFamily="34" charset="0"/>
-                <a:ea typeface="Calibri" panose="020F0502020204030204" pitchFamily="34" charset="0"/>
-                <a:cs typeface="Times New Roman" panose="02020603050405020304" pitchFamily="18" charset="0"/>
-              </a:rPr>
+          </a:p>
+          <a:p>
+            <a:pPr fontAlgn="base"/>
+            <a:r>
+              <a:rPr lang="en-US" b="1" dirty="0"/>
+              <a:t> Up on close inspection, Mercedes- Benz make which is higher in price in fact shown lower depreciation compared to other high priced luxury cars like BMW , Jaguar and Porsche.</a:t>
+            </a:r>
+          </a:p>
+          <a:p>
+            <a:pPr fontAlgn="base"/>
+            <a:endParaRPr lang="en-US" dirty="0"/>
+          </a:p>
+          <a:p>
+            <a:pPr fontAlgn="base"/>
+            <a:r>
+              <a:rPr lang="en-US" i="1" dirty="0"/>
               <a:t>What do you feel was missed </a:t>
             </a:r>
             <a:r>
-              <a:rPr lang="en-US" sz="1600" dirty="0">
-                <a:solidFill>
-                  <a:srgbClr val="000000"/>
-                </a:solidFill>
-                <a:latin typeface="Calibri" panose="020F0502020204030204" pitchFamily="34" charset="0"/>
-                <a:ea typeface="Calibri" panose="020F0502020204030204" pitchFamily="34" charset="0"/>
-                <a:cs typeface="Times New Roman" panose="02020603050405020304" pitchFamily="18" charset="0"/>
-              </a:rPr>
+              <a:rPr lang="en-US" dirty="0"/>
               <a:t>during</a:t>
             </a:r>
             <a:r>
-              <a:rPr lang="en-US" sz="1600" i="1" dirty="0">
-                <a:solidFill>
-                  <a:srgbClr val="000000"/>
-                </a:solidFill>
-                <a:latin typeface="Calibri" panose="020F0502020204030204" pitchFamily="34" charset="0"/>
-                <a:ea typeface="Calibri" panose="020F0502020204030204" pitchFamily="34" charset="0"/>
-                <a:cs typeface="Times New Roman" panose="02020603050405020304" pitchFamily="18" charset="0"/>
-              </a:rPr>
+              <a:rPr lang="en-US" i="1" dirty="0"/>
               <a:t> the analysis?</a:t>
             </a:r>
-            <a:endParaRPr lang="en-US" sz="1600" dirty="0">
-              <a:latin typeface="Calibri" panose="020F0502020204030204" pitchFamily="34" charset="0"/>
-              <a:ea typeface="Calibri" panose="020F0502020204030204" pitchFamily="34" charset="0"/>
-              <a:cs typeface="Times New Roman" panose="02020603050405020304" pitchFamily="18" charset="0"/>
-            </a:endParaRPr>
-          </a:p>
-          <a:p>
-            <a:pPr fontAlgn="base">
-              <a:lnSpc>
-                <a:spcPct val="107000"/>
-              </a:lnSpc>
-              <a:spcBef>
-                <a:spcPts val="300"/>
-              </a:spcBef>
-              <a:spcAft>
-                <a:spcPts val="1200"/>
-              </a:spcAft>
-            </a:pPr>
-            <a:r>
-              <a:rPr lang="en-US" sz="1600" b="1" i="1" dirty="0">
-                <a:solidFill>
-                  <a:srgbClr val="000000"/>
-                </a:solidFill>
-                <a:latin typeface="Calibri" panose="020F0502020204030204" pitchFamily="34" charset="0"/>
-                <a:ea typeface="Calibri" panose="020F0502020204030204" pitchFamily="34" charset="0"/>
-                <a:cs typeface="Times New Roman" panose="02020603050405020304" pitchFamily="18" charset="0"/>
-              </a:rPr>
-              <a:t>Felt the size of the data is not large enough to decipher the permutations </a:t>
-            </a:r>
-            <a:endParaRPr lang="en-US" sz="1600" dirty="0">
-              <a:latin typeface="Calibri" panose="020F0502020204030204" pitchFamily="34" charset="0"/>
-              <a:ea typeface="Calibri" panose="020F0502020204030204" pitchFamily="34" charset="0"/>
-              <a:cs typeface="Times New Roman" panose="02020603050405020304" pitchFamily="18" charset="0"/>
-            </a:endParaRPr>
-          </a:p>
-          <a:p>
-            <a:pPr fontAlgn="base">
-              <a:lnSpc>
-                <a:spcPct val="107000"/>
-              </a:lnSpc>
-              <a:spcBef>
-                <a:spcPts val="300"/>
-              </a:spcBef>
-              <a:spcAft>
-                <a:spcPts val="1200"/>
-              </a:spcAft>
-            </a:pPr>
-            <a:r>
-              <a:rPr lang="en-US" sz="1600" i="1" dirty="0">
-                <a:solidFill>
-                  <a:srgbClr val="000000"/>
-                </a:solidFill>
-                <a:latin typeface="Calibri" panose="020F0502020204030204" pitchFamily="34" charset="0"/>
-                <a:ea typeface="Calibri" panose="020F0502020204030204" pitchFamily="34" charset="0"/>
-                <a:cs typeface="Times New Roman" panose="02020603050405020304" pitchFamily="18" charset="0"/>
-              </a:rPr>
+            <a:endParaRPr lang="en-US" dirty="0"/>
+          </a:p>
+          <a:p>
+            <a:pPr fontAlgn="base"/>
+            <a:r>
+              <a:rPr lang="en-US" b="1" i="1" dirty="0"/>
+              <a:t>size of the data is not large and varied enough to decipher the permutations </a:t>
+            </a:r>
+          </a:p>
+          <a:p>
+            <a:pPr fontAlgn="base"/>
+            <a:endParaRPr lang="en-US" dirty="0"/>
+          </a:p>
+          <a:p>
+            <a:pPr fontAlgn="base"/>
+            <a:r>
+              <a:rPr lang="en-US" i="1" dirty="0"/>
               <a:t>Were there any variables you felt could have helped in the analysis?</a:t>
             </a:r>
-            <a:endParaRPr lang="en-US" sz="1600" dirty="0">
-              <a:latin typeface="Calibri" panose="020F0502020204030204" pitchFamily="34" charset="0"/>
-              <a:ea typeface="Calibri" panose="020F0502020204030204" pitchFamily="34" charset="0"/>
-              <a:cs typeface="Times New Roman" panose="02020603050405020304" pitchFamily="18" charset="0"/>
-            </a:endParaRPr>
-          </a:p>
-          <a:p>
-            <a:pPr fontAlgn="base">
-              <a:lnSpc>
-                <a:spcPct val="107000"/>
-              </a:lnSpc>
-              <a:spcBef>
-                <a:spcPts val="300"/>
-              </a:spcBef>
-              <a:spcAft>
-                <a:spcPts val="1200"/>
-              </a:spcAft>
-            </a:pPr>
-            <a:r>
-              <a:rPr lang="en-US" sz="1600" b="1" i="1" dirty="0">
-                <a:solidFill>
-                  <a:srgbClr val="000000"/>
-                </a:solidFill>
-                <a:latin typeface="Calibri" panose="020F0502020204030204" pitchFamily="34" charset="0"/>
-                <a:ea typeface="Calibri" panose="020F0502020204030204" pitchFamily="34" charset="0"/>
-                <a:cs typeface="Times New Roman" panose="02020603050405020304" pitchFamily="18" charset="0"/>
-              </a:rPr>
-              <a:t>Insurance rating would have helped to see the safety of the car &amp; would play a role on deprecation aspect.</a:t>
-            </a:r>
-            <a:endParaRPr lang="en-US" sz="1600" dirty="0">
-              <a:latin typeface="Calibri" panose="020F0502020204030204" pitchFamily="34" charset="0"/>
-              <a:ea typeface="Calibri" panose="020F0502020204030204" pitchFamily="34" charset="0"/>
-              <a:cs typeface="Times New Roman" panose="02020603050405020304" pitchFamily="18" charset="0"/>
-            </a:endParaRPr>
-          </a:p>
-          <a:p>
-            <a:pPr fontAlgn="base">
-              <a:lnSpc>
-                <a:spcPct val="107000"/>
-              </a:lnSpc>
-              <a:spcBef>
-                <a:spcPts val="300"/>
-              </a:spcBef>
-              <a:spcAft>
-                <a:spcPts val="1200"/>
-              </a:spcAft>
-            </a:pPr>
-            <a:r>
-              <a:rPr lang="en-US" sz="1600" i="1" dirty="0">
-                <a:solidFill>
-                  <a:srgbClr val="000000"/>
-                </a:solidFill>
-                <a:latin typeface="Calibri" panose="020F0502020204030204" pitchFamily="34" charset="0"/>
-                <a:ea typeface="Calibri" panose="020F0502020204030204" pitchFamily="34" charset="0"/>
-                <a:cs typeface="Times New Roman" panose="02020603050405020304" pitchFamily="18" charset="0"/>
-              </a:rPr>
+            <a:endParaRPr lang="en-US" dirty="0"/>
+          </a:p>
+          <a:p>
+            <a:pPr fontAlgn="base"/>
+            <a:r>
+              <a:rPr lang="en-US" b="1" i="1" dirty="0"/>
+              <a:t>Could have included Insurance rating of each model/car brand. Which would have helped to see the safety of the car &amp; would play a role on deprecations aspect.</a:t>
+            </a:r>
+          </a:p>
+          <a:p>
+            <a:pPr fontAlgn="base"/>
+            <a:endParaRPr lang="en-US" dirty="0"/>
+          </a:p>
+          <a:p>
+            <a:pPr fontAlgn="base"/>
+            <a:r>
+              <a:rPr lang="en-US" i="1" dirty="0"/>
               <a:t>Were there any assumptions made you felt were incorrect?</a:t>
             </a:r>
-            <a:endParaRPr lang="en-US" sz="1600" dirty="0">
-              <a:latin typeface="Calibri" panose="020F0502020204030204" pitchFamily="34" charset="0"/>
-              <a:ea typeface="Calibri" panose="020F0502020204030204" pitchFamily="34" charset="0"/>
-              <a:cs typeface="Times New Roman" panose="02020603050405020304" pitchFamily="18" charset="0"/>
-            </a:endParaRPr>
-          </a:p>
-          <a:p>
-            <a:pPr fontAlgn="base">
-              <a:lnSpc>
-                <a:spcPct val="107000"/>
-              </a:lnSpc>
-              <a:spcBef>
-                <a:spcPts val="300"/>
-              </a:spcBef>
-              <a:spcAft>
-                <a:spcPts val="1200"/>
-              </a:spcAft>
-            </a:pPr>
-            <a:r>
-              <a:rPr lang="en-US" sz="1600" b="1" i="1" dirty="0">
-                <a:solidFill>
-                  <a:srgbClr val="000000"/>
-                </a:solidFill>
-                <a:latin typeface="Calibri" panose="020F0502020204030204" pitchFamily="34" charset="0"/>
-                <a:ea typeface="Calibri" panose="020F0502020204030204" pitchFamily="34" charset="0"/>
-                <a:cs typeface="Times New Roman" panose="02020603050405020304" pitchFamily="18" charset="0"/>
-              </a:rPr>
+            <a:endParaRPr lang="en-US" dirty="0"/>
+          </a:p>
+          <a:p>
+            <a:pPr fontAlgn="base"/>
+            <a:r>
+              <a:rPr lang="en-US" b="1" i="1" dirty="0"/>
               <a:t>The assumptions of higher priced luxury cars would depreciate lot higher than regular cars was found to be incorrect.</a:t>
             </a:r>
-            <a:endParaRPr lang="en-US" sz="1600" dirty="0">
-              <a:latin typeface="Calibri" panose="020F0502020204030204" pitchFamily="34" charset="0"/>
-              <a:ea typeface="Calibri" panose="020F0502020204030204" pitchFamily="34" charset="0"/>
-              <a:cs typeface="Times New Roman" panose="02020603050405020304" pitchFamily="18" charset="0"/>
-            </a:endParaRPr>
-          </a:p>
-          <a:p>
-            <a:pPr fontAlgn="base">
-              <a:lnSpc>
-                <a:spcPct val="107000"/>
-              </a:lnSpc>
-              <a:spcBef>
-                <a:spcPts val="300"/>
-              </a:spcBef>
-              <a:spcAft>
-                <a:spcPts val="1200"/>
-              </a:spcAft>
-            </a:pPr>
-            <a:r>
-              <a:rPr lang="en-US" sz="1600" i="1" dirty="0">
-                <a:solidFill>
-                  <a:srgbClr val="000000"/>
-                </a:solidFill>
-                <a:latin typeface="Calibri" panose="020F0502020204030204" pitchFamily="34" charset="0"/>
-                <a:ea typeface="Calibri" panose="020F0502020204030204" pitchFamily="34" charset="0"/>
-                <a:cs typeface="Times New Roman" panose="02020603050405020304" pitchFamily="18" charset="0"/>
-              </a:rPr>
+          </a:p>
+          <a:p>
+            <a:pPr fontAlgn="base"/>
+            <a:endParaRPr lang="en-US" dirty="0"/>
+          </a:p>
+          <a:p>
+            <a:pPr fontAlgn="base"/>
+            <a:r>
+              <a:rPr lang="en-US" i="1" dirty="0"/>
               <a:t>What challenges did you face, what did you not fully understand?</a:t>
             </a:r>
-            <a:endParaRPr lang="en-US" sz="1600" dirty="0">
-              <a:latin typeface="Calibri" panose="020F0502020204030204" pitchFamily="34" charset="0"/>
-              <a:ea typeface="Calibri" panose="020F0502020204030204" pitchFamily="34" charset="0"/>
-              <a:cs typeface="Times New Roman" panose="02020603050405020304" pitchFamily="18" charset="0"/>
-            </a:endParaRPr>
-          </a:p>
-          <a:p>
-            <a:pPr fontAlgn="base">
-              <a:lnSpc>
-                <a:spcPct val="107000"/>
-              </a:lnSpc>
-              <a:spcBef>
-                <a:spcPts val="300"/>
-              </a:spcBef>
-              <a:spcAft>
-                <a:spcPts val="1200"/>
-              </a:spcAft>
-            </a:pPr>
-            <a:r>
-              <a:rPr lang="en-US" sz="1600" b="1" i="1" dirty="0">
-                <a:solidFill>
-                  <a:srgbClr val="000000"/>
-                </a:solidFill>
-                <a:latin typeface="Calibri" panose="020F0502020204030204" pitchFamily="34" charset="0"/>
-                <a:ea typeface="Calibri" panose="020F0502020204030204" pitchFamily="34" charset="0"/>
-                <a:cs typeface="Times New Roman" panose="02020603050405020304" pitchFamily="18" charset="0"/>
-              </a:rPr>
-              <a:t>Log CDF was not as flat line as I thought it would be. Have to read it over and over to understand if the approach was correct and has to go back and forth to cross verify the understanding.</a:t>
-            </a:r>
-            <a:endParaRPr lang="en-US" sz="1600" dirty="0">
-              <a:latin typeface="Calibri" panose="020F0502020204030204" pitchFamily="34" charset="0"/>
-              <a:ea typeface="Calibri" panose="020F0502020204030204" pitchFamily="34" charset="0"/>
-              <a:cs typeface="Times New Roman" panose="02020603050405020304" pitchFamily="18" charset="0"/>
-            </a:endParaRPr>
+            <a:endParaRPr lang="en-US" dirty="0"/>
+          </a:p>
+          <a:p>
+            <a:pPr fontAlgn="base"/>
+            <a:r>
+              <a:rPr lang="en-US" b="1" i="1" dirty="0"/>
+              <a:t>CDF was not as flat line as I thought it would be. Had to review it few times to verify if the results are accurate and analysis was in correct direction.</a:t>
+            </a:r>
+          </a:p>
+          <a:p>
+            <a:pPr fontAlgn="base"/>
+            <a:endParaRPr lang="en-US" dirty="0"/>
           </a:p>
         </p:txBody>
       </p:sp>
@@ -6243,21 +5979,6 @@
 </file>
 
 <file path=customXml/item1.xml><?xml version="1.0" encoding="utf-8"?>
-<p:properties xmlns:p="http://schemas.microsoft.com/office/2006/metadata/properties" xmlns:xsi="http://www.w3.org/2001/XMLSchema-instance" xmlns:pc="http://schemas.microsoft.com/office/infopath/2007/PartnerControls">
-  <documentManagement/>
-</p:properties>
-</file>
-
-<file path=customXml/item2.xml><?xml version="1.0" encoding="utf-8"?>
-<?mso-contentType ?>
-<FormTemplates xmlns="http://schemas.microsoft.com/sharepoint/v3/contenttype/forms">
-  <Display>DocumentLibraryForm</Display>
-  <Edit>DocumentLibraryForm</Edit>
-  <New>DocumentLibraryForm</New>
-</FormTemplates>
-</file>
-
-<file path=customXml/item3.xml><?xml version="1.0" encoding="utf-8"?>
 <ct:contentTypeSchema xmlns:ct="http://schemas.microsoft.com/office/2006/metadata/contentType" xmlns:ma="http://schemas.microsoft.com/office/2006/metadata/properties/metaAttributes" ct:_="" ma:_="" ma:contentTypeName="Document" ma:contentTypeID="0x010100603DFD28AEEEA84B9846058010ACA19C" ma:contentTypeVersion="13" ma:contentTypeDescription="Create a new document." ma:contentTypeScope="" ma:versionID="9c132dc9138f93394897f5ec0f15b639">
   <xsd:schema xmlns:xsd="http://www.w3.org/2001/XMLSchema" xmlns:xs="http://www.w3.org/2001/XMLSchema" xmlns:p="http://schemas.microsoft.com/office/2006/metadata/properties" xmlns:ns3="39d5ef51-0aaf-418f-83d5-a70a458520b3" xmlns:ns4="dac1eeda-12ca-4eaf-88b6-f7706b5f6cf3" targetNamespace="http://schemas.microsoft.com/office/2006/metadata/properties" ma:root="true" ma:fieldsID="95243abf4e2445dbad53f2dc578ab6e3" ns3:_="" ns4:_="">
     <xsd:import namespace="39d5ef51-0aaf-418f-83d5-a70a458520b3"/>
@@ -6480,32 +6201,22 @@
 </ct:contentTypeSchema>
 </file>
 
-<file path=customXml/itemProps1.xml><?xml version="1.0" encoding="utf-8"?>
-<ds:datastoreItem xmlns:ds="http://schemas.openxmlformats.org/officeDocument/2006/customXml" ds:itemID="{A68E640E-5BF9-4A6E-A7DB-693CF5D4A99E}">
-  <ds:schemaRefs>
-    <ds:schemaRef ds:uri="http://purl.org/dc/terms/"/>
-    <ds:schemaRef ds:uri="http://schemas.openxmlformats.org/package/2006/metadata/core-properties"/>
-    <ds:schemaRef ds:uri="http://schemas.microsoft.com/office/2006/documentManagement/types"/>
-    <ds:schemaRef ds:uri="dac1eeda-12ca-4eaf-88b6-f7706b5f6cf3"/>
-    <ds:schemaRef ds:uri="http://purl.org/dc/elements/1.1/"/>
-    <ds:schemaRef ds:uri="http://schemas.microsoft.com/office/2006/metadata/properties"/>
-    <ds:schemaRef ds:uri="http://schemas.microsoft.com/office/infopath/2007/PartnerControls"/>
-    <ds:schemaRef ds:uri="39d5ef51-0aaf-418f-83d5-a70a458520b3"/>
-    <ds:schemaRef ds:uri="http://www.w3.org/XML/1998/namespace"/>
-    <ds:schemaRef ds:uri="http://purl.org/dc/dcmitype/"/>
-  </ds:schemaRefs>
-</ds:datastoreItem>
+<file path=customXml/item2.xml><?xml version="1.0" encoding="utf-8"?>
+<?mso-contentType ?>
+<FormTemplates xmlns="http://schemas.microsoft.com/sharepoint/v3/contenttype/forms">
+  <Display>DocumentLibraryForm</Display>
+  <Edit>DocumentLibraryForm</Edit>
+  <New>DocumentLibraryForm</New>
+</FormTemplates>
 </file>
 
-<file path=customXml/itemProps2.xml><?xml version="1.0" encoding="utf-8"?>
-<ds:datastoreItem xmlns:ds="http://schemas.openxmlformats.org/officeDocument/2006/customXml" ds:itemID="{FA71D1EF-52CD-4ED2-9D88-5BB5FF9D90A9}">
-  <ds:schemaRefs>
-    <ds:schemaRef ds:uri="http://schemas.microsoft.com/sharepoint/v3/contenttype/forms"/>
-  </ds:schemaRefs>
-</ds:datastoreItem>
+<file path=customXml/item3.xml><?xml version="1.0" encoding="utf-8"?>
+<p:properties xmlns:p="http://schemas.microsoft.com/office/2006/metadata/properties" xmlns:xsi="http://www.w3.org/2001/XMLSchema-instance" xmlns:pc="http://schemas.microsoft.com/office/infopath/2007/PartnerControls">
+  <documentManagement/>
+</p:properties>
 </file>
 
-<file path=customXml/itemProps3.xml><?xml version="1.0" encoding="utf-8"?>
+<file path=customXml/itemProps1.xml><?xml version="1.0" encoding="utf-8"?>
 <ds:datastoreItem xmlns:ds="http://schemas.openxmlformats.org/officeDocument/2006/customXml" ds:itemID="{7289B7F3-9FBD-4C2F-B55E-96AF333E50F1}">
   <ds:schemaRefs>
     <ds:schemaRef ds:uri="http://schemas.microsoft.com/office/2006/metadata/contentType"/>
@@ -6522,4 +6233,29 @@
     <ds:schemaRef ds:uri="http://schemas.microsoft.com/internal/obd"/>
   </ds:schemaRefs>
 </ds:datastoreItem>
+</file>
+
+<file path=customXml/itemProps2.xml><?xml version="1.0" encoding="utf-8"?>
+<ds:datastoreItem xmlns:ds="http://schemas.openxmlformats.org/officeDocument/2006/customXml" ds:itemID="{FA71D1EF-52CD-4ED2-9D88-5BB5FF9D90A9}">
+  <ds:schemaRefs>
+    <ds:schemaRef ds:uri="http://schemas.microsoft.com/sharepoint/v3/contenttype/forms"/>
+  </ds:schemaRefs>
+</ds:datastoreItem>
+</file>
+
+<file path=customXml/itemProps3.xml><?xml version="1.0" encoding="utf-8"?>
+<ds:datastoreItem xmlns:ds="http://schemas.openxmlformats.org/officeDocument/2006/customXml" ds:itemID="{A68E640E-5BF9-4A6E-A7DB-693CF5D4A99E}">
+  <ds:schemaRefs>
+    <ds:schemaRef ds:uri="http://purl.org/dc/terms/"/>
+    <ds:schemaRef ds:uri="http://schemas.openxmlformats.org/package/2006/metadata/core-properties"/>
+    <ds:schemaRef ds:uri="http://schemas.microsoft.com/office/2006/documentManagement/types"/>
+    <ds:schemaRef ds:uri="dac1eeda-12ca-4eaf-88b6-f7706b5f6cf3"/>
+    <ds:schemaRef ds:uri="http://purl.org/dc/elements/1.1/"/>
+    <ds:schemaRef ds:uri="http://schemas.microsoft.com/office/2006/metadata/properties"/>
+    <ds:schemaRef ds:uri="http://schemas.microsoft.com/office/infopath/2007/PartnerControls"/>
+    <ds:schemaRef ds:uri="39d5ef51-0aaf-418f-83d5-a70a458520b3"/>
+    <ds:schemaRef ds:uri="http://www.w3.org/XML/1998/namespace"/>
+    <ds:schemaRef ds:uri="http://purl.org/dc/dcmitype/"/>
+  </ds:schemaRefs>
+</ds:datastoreItem>
 </file>